--- a/Dokumentation/Codis_Präsentation.pptx
+++ b/Dokumentation/Codis_Präsentation.pptx
@@ -1635,7 +1635,7 @@
           </a:ln>
           <a:extLst>
             <a:ext uri="{C572A759-6A51-4108-AA02-DFA0A04FC94B}">
-              <ma14:wrappingTextBoxFlag xmlns="" xmlns:ma14="http://schemas.microsoft.com/office/mac/drawingml/2011/main" val="1"/>
+              <ma14:wrappingTextBoxFlag xmlns:ma14="http://schemas.microsoft.com/office/mac/drawingml/2011/main" xmlns="" val="1"/>
             </a:ext>
           </a:extLst>
         </p:spPr>
@@ -1686,7 +1686,7 @@
           </a:ln>
           <a:extLst>
             <a:ext uri="{C572A759-6A51-4108-AA02-DFA0A04FC94B}">
-              <ma14:wrappingTextBoxFlag xmlns="" xmlns:ma14="http://schemas.microsoft.com/office/mac/drawingml/2011/main" val="1"/>
+              <ma14:wrappingTextBoxFlag xmlns:ma14="http://schemas.microsoft.com/office/mac/drawingml/2011/main" xmlns="" val="1"/>
             </a:ext>
           </a:extLst>
         </p:spPr>
@@ -6511,7 +6511,7 @@
               </a:defRPr>
             </a:pPr>
             <a:r>
-              <a:rPr lang="de-DE" sz="7000" dirty="0" smtClean="0">
+              <a:rPr lang="de-DE" sz="7000" smtClean="0">
                 <a:solidFill>
                   <a:srgbClr val="45A7DE"/>
                 </a:solidFill>
@@ -6587,14 +6587,24 @@
               </a:defRPr>
             </a:pPr>
             <a:r>
-              <a:rPr lang="de-DE" sz="3959" dirty="0" smtClean="0">
+              <a:rPr lang="de-DE" sz="3959" smtClean="0">
                 <a:solidFill>
                   <a:schemeClr val="tx2">
                     <a:lumMod val="50000"/>
                   </a:schemeClr>
                 </a:solidFill>
               </a:rPr>
-              <a:t>wegen abwechselnder Überwachung</a:t>
+              <a:t>durch abwechselnder </a:t>
+            </a:r>
+            <a:r>
+              <a:rPr lang="de-DE" sz="3959" dirty="0" smtClean="0">
+                <a:solidFill>
+                  <a:schemeClr val="tx2">
+                    <a:lumMod val="50000"/>
+                  </a:schemeClr>
+                </a:solidFill>
+              </a:rPr>
+              <a:t>Überwachung</a:t>
             </a:r>
           </a:p>
           <a:p>
@@ -7830,7 +7840,7 @@
         </p:spPr>
         <p:txBody>
           <a:bodyPr>
-            <a:normAutofit fontScale="77500" lnSpcReduction="20000"/>
+            <a:normAutofit fontScale="85000" lnSpcReduction="20000"/>
           </a:bodyPr>
           <a:lstStyle/>
           <a:p>
@@ -7847,17 +7857,7 @@
                   </a:schemeClr>
                 </a:solidFill>
               </a:rPr>
-              <a:t>Verfahren: </a:t>
-            </a:r>
-            <a:r>
-              <a:rPr lang="de-DE" sz="3600" dirty="0" smtClean="0">
-                <a:solidFill>
-                  <a:schemeClr val="tx2">
-                    <a:lumMod val="50000"/>
-                  </a:schemeClr>
-                </a:solidFill>
-              </a:rPr>
-              <a:t>Motion-</a:t>
+              <a:t>Verfahren: Motion-</a:t>
             </a:r>
             <a:r>
               <a:rPr lang="de-DE" sz="3600" dirty="0" err="1" smtClean="0">
@@ -7880,24 +7880,14 @@
           <a:p>
             <a:pPr lvl="1"/>
             <a:r>
-              <a:rPr lang="de-DE" sz="3600" smtClean="0">
+              <a:rPr lang="de-DE" sz="3600" dirty="0" smtClean="0">
                 <a:solidFill>
                   <a:schemeClr val="tx2">
                     <a:lumMod val="50000"/>
                   </a:schemeClr>
                 </a:solidFill>
               </a:rPr>
-              <a:t>wird </a:t>
-            </a:r>
-            <a:r>
-              <a:rPr lang="de-DE" sz="3600" dirty="0" smtClean="0">
-                <a:solidFill>
-                  <a:schemeClr val="tx2">
-                    <a:lumMod val="50000"/>
-                  </a:schemeClr>
-                </a:solidFill>
-              </a:rPr>
-              <a:t>vom Video-</a:t>
+              <a:t>wird vom Video-</a:t>
             </a:r>
             <a:r>
               <a:rPr lang="de-DE" sz="3600" dirty="0" err="1" smtClean="0">
@@ -7917,7 +7907,17 @@
                   </a:schemeClr>
                 </a:solidFill>
               </a:rPr>
-              <a:t> (H264) des </a:t>
+              <a:t> </a:t>
+            </a:r>
+            <a:r>
+              <a:rPr lang="de-DE" sz="3600" dirty="0" smtClean="0">
+                <a:solidFill>
+                  <a:schemeClr val="tx2">
+                    <a:lumMod val="50000"/>
+                  </a:schemeClr>
+                </a:solidFill>
+              </a:rPr>
+              <a:t>des </a:t>
             </a:r>
             <a:r>
               <a:rPr lang="de-DE" sz="3600" dirty="0" err="1" smtClean="0">
@@ -7939,13 +7939,6 @@
               </a:rPr>
               <a:t> übernommen</a:t>
             </a:r>
-            <a:endParaRPr lang="de-DE" sz="3600" dirty="0" smtClean="0">
-              <a:solidFill>
-                <a:schemeClr val="tx2">
-                  <a:lumMod val="50000"/>
-                </a:schemeClr>
-              </a:solidFill>
-            </a:endParaRPr>
           </a:p>
           <a:p>
             <a:pPr lvl="0">
@@ -8082,17 +8075,7 @@
                   </a:schemeClr>
                 </a:solidFill>
               </a:rPr>
-              <a:t>Wird oft </a:t>
-            </a:r>
-            <a:r>
-              <a:rPr lang="de-DE" sz="3600" dirty="0" smtClean="0">
-                <a:solidFill>
-                  <a:schemeClr val="tx2">
-                    <a:lumMod val="50000"/>
-                  </a:schemeClr>
-                </a:solidFill>
-              </a:rPr>
-              <a:t>verwendet</a:t>
+              <a:t>Wird oft verwendet</a:t>
             </a:r>
             <a:endParaRPr sz="3600" dirty="0">
               <a:solidFill>
@@ -17802,8 +17785,8 @@
         </p:nvSpPr>
         <p:spPr>
           <a:xfrm>
-            <a:off x="1732802" y="6793206"/>
-            <a:ext cx="9613209" cy="446276"/>
+            <a:off x="859167" y="6793206"/>
+            <a:ext cx="11360482" cy="446276"/>
           </a:xfrm>
           <a:prstGeom prst="rect">
             <a:avLst/>
@@ -17860,14 +17843,14 @@
               <a:t>Anmerkung: </a:t>
             </a:r>
             <a:r>
-              <a:rPr lang="de-DE" sz="2400" dirty="0" smtClean="0">
+              <a:rPr lang="de-DE" sz="2400" dirty="0" err="1" smtClean="0">
                 <a:solidFill>
                   <a:schemeClr val="tx2">
                     <a:lumMod val="50000"/>
                   </a:schemeClr>
                 </a:solidFill>
               </a:rPr>
-              <a:t>H264 Kodier verwendet 16 </a:t>
+              <a:t>Raspberry</a:t>
             </a:r>
             <a:r>
               <a:rPr lang="de-DE" sz="2400" dirty="0" smtClean="0">
@@ -17877,7 +17860,37 @@
                   </a:schemeClr>
                 </a:solidFill>
               </a:rPr>
-              <a:t>x 16 Pixel große Makroblöcke</a:t>
+              <a:t> Video-</a:t>
+            </a:r>
+            <a:r>
+              <a:rPr lang="de-DE" sz="2400" dirty="0" err="1" smtClean="0">
+                <a:solidFill>
+                  <a:schemeClr val="tx2">
+                    <a:lumMod val="50000"/>
+                  </a:schemeClr>
+                </a:solidFill>
+              </a:rPr>
+              <a:t>Kodierer</a:t>
+            </a:r>
+            <a:r>
+              <a:rPr lang="de-DE" sz="2400" dirty="0" smtClean="0">
+                <a:solidFill>
+                  <a:schemeClr val="tx2">
+                    <a:lumMod val="50000"/>
+                  </a:schemeClr>
+                </a:solidFill>
+              </a:rPr>
+              <a:t> </a:t>
+            </a:r>
+            <a:r>
+              <a:rPr lang="de-DE" sz="2400" dirty="0" smtClean="0">
+                <a:solidFill>
+                  <a:schemeClr val="tx2">
+                    <a:lumMod val="50000"/>
+                  </a:schemeClr>
+                </a:solidFill>
+              </a:rPr>
+              <a:t>verwendet 16 x 16 Pixel große Makroblöcke</a:t>
             </a:r>
             <a:endParaRPr kumimoji="0" lang="de-DE" sz="2400" b="0" i="0" u="none" strike="noStrike" cap="none" spc="0" normalizeH="0" baseline="0" dirty="0">
               <a:ln>
@@ -36321,17 +36334,7 @@
                   </a:schemeClr>
                 </a:solidFill>
               </a:rPr>
-              <a:t>nur </a:t>
-            </a:r>
-            <a:r>
-              <a:rPr lang="de-DE" sz="3600" dirty="0" smtClean="0">
-                <a:solidFill>
-                  <a:schemeClr val="tx2">
-                    <a:lumMod val="50000"/>
-                  </a:schemeClr>
-                </a:solidFill>
-              </a:rPr>
-              <a:t>Koordinator überwacht Gebiet</a:t>
+              <a:t>nur Koordinator überwacht Gebiet</a:t>
             </a:r>
           </a:p>
           <a:p>
